--- a/deliverables/Release 2/NVMe HPE Team Presentation.pptx
+++ b/deliverables/Release 2/NVMe HPE Team Presentation.pptx
@@ -30473,21 +30473,11 @@
                   <a:srgbClr val="FFFFFF"/>
                 </a:solidFill>
               </a:rPr>
-              <a:pPr marL="0" marR="0" lvl="0" indent="0" algn="r" defTabSz="914400" rtl="0" eaLnBrk="1" fontAlgn="auto" latinLnBrk="0" hangingPunct="1">
-                <a:lnSpc>
-                  <a:spcPct val="100000"/>
-                </a:lnSpc>
-                <a:spcBef>
-                  <a:spcPts val="0"/>
-                </a:spcBef>
-                <a:spcAft>
-                  <a:spcPts val="0"/>
-                </a:spcAft>
-                <a:buClrTx/>
-                <a:buSzTx/>
-                <a:buFontTx/>
-                <a:buNone/>
-                <a:tabLst/>
+              <a:pPr algn="r" defTabSz="457200">
+                <a:buClr>
+                  <a:srgbClr val="000000"/>
+                </a:buClr>
+                <a:buSzPct val="25000"/>
                 <a:defRPr/>
               </a:pPr>
               <a:t>14</a:t>
@@ -31323,7 +31313,7 @@
     </p:spTree>
     <p:extLst>
       <p:ext uri="{BB962C8B-B14F-4D97-AF65-F5344CB8AC3E}">
-        <p14:creationId xmlns:p14="http://schemas.microsoft.com/office/powerpoint/2010/main" xmlns="" val="3212934282"/>
+        <p14:creationId xmlns="" xmlns:p14="http://schemas.microsoft.com/office/powerpoint/2010/main" val="3212934282"/>
       </p:ext>
     </p:extLst>
   </p:cSld>
@@ -31637,11 +31627,7 @@
             </a:br>
             <a:r>
               <a:rPr lang="en-US" dirty="0" smtClean="0"/>
-              <a:t> </a:t>
-            </a:r>
-            <a:r>
-              <a:rPr lang="en-US" dirty="0" smtClean="0"/>
-              <a:t>Packard </a:t>
+              <a:t> Packard </a:t>
             </a:r>
             <a:r>
               <a:rPr lang="en-US" dirty="0"/>
@@ -31769,7 +31755,7 @@
     </p:spTree>
     <p:extLst>
       <p:ext uri="{BB962C8B-B14F-4D97-AF65-F5344CB8AC3E}">
-        <p14:creationId xmlns:p14="http://schemas.microsoft.com/office/powerpoint/2010/main" xmlns="" val="1822668284"/>
+        <p14:creationId xmlns="" xmlns:p14="http://schemas.microsoft.com/office/powerpoint/2010/main" val="1822668284"/>
       </p:ext>
     </p:extLst>
   </p:cSld>
@@ -31808,47 +31794,6 @@
           <a:chExt cx="0" cy="0"/>
         </a:xfrm>
       </p:grpSpPr>
-      <p:sp>
-        <p:nvSpPr>
-          <p:cNvPr id="208" name="Shape 208"/>
-          <p:cNvSpPr/>
-          <p:nvPr/>
-        </p:nvSpPr>
-        <p:spPr>
-          <a:xfrm>
-            <a:off x="1997100" y="1316950"/>
-            <a:ext cx="9068700" cy="3957000"/>
-          </a:xfrm>
-          <a:prstGeom prst="rect">
-            <a:avLst/>
-          </a:prstGeom>
-          <a:noFill/>
-          <a:ln w="19050" cap="flat" cmpd="sng">
-            <a:solidFill>
-              <a:schemeClr val="dk2"/>
-            </a:solidFill>
-            <a:prstDash val="dash"/>
-            <a:round/>
-            <a:headEnd type="none" w="med" len="med"/>
-            <a:tailEnd type="none" w="med" len="med"/>
-          </a:ln>
-        </p:spPr>
-        <p:txBody>
-          <a:bodyPr lIns="91425" tIns="91425" rIns="91425" bIns="91425" anchor="ctr" anchorCtr="0">
-            <a:noAutofit/>
-          </a:bodyPr>
-          <a:lstStyle/>
-          <a:p>
-            <a:pPr lvl="0">
-              <a:spcBef>
-                <a:spcPts val="0"/>
-              </a:spcBef>
-              <a:buNone/>
-            </a:pPr>
-            <a:endParaRPr/>
-          </a:p>
-        </p:txBody>
-      </p:sp>
       <p:sp>
         <p:nvSpPr>
           <p:cNvPr id="209" name="Shape 209"/>
@@ -33341,6 +33286,11 @@
 <file path=ppt/slides/slide3.xml><?xml version="1.0" encoding="utf-8"?>
 <p:sld xmlns:a="http://schemas.openxmlformats.org/drawingml/2006/main" xmlns:r="http://schemas.openxmlformats.org/officeDocument/2006/relationships" xmlns:p="http://schemas.openxmlformats.org/presentationml/2006/main">
   <p:cSld>
+    <p:bg>
+      <p:bgRef idx="1001">
+        <a:schemeClr val="bg1"/>
+      </p:bgRef>
+    </p:bg>
     <p:spTree>
       <p:nvGrpSpPr>
         <p:cNvPr id="1" name="Shape 252"/>
@@ -33357,60 +33307,15 @@
       </p:grpSpPr>
       <p:sp>
         <p:nvSpPr>
-          <p:cNvPr id="253" name="Shape 253"/>
-          <p:cNvSpPr/>
-          <p:nvPr/>
-        </p:nvSpPr>
-        <p:spPr>
-          <a:xfrm>
-            <a:off x="1997100" y="1316950"/>
-            <a:ext cx="9068700" cy="3957000"/>
-          </a:xfrm>
-          <a:prstGeom prst="rect">
-            <a:avLst/>
-          </a:prstGeom>
-          <a:noFill/>
-          <a:ln w="19050" cap="flat" cmpd="sng">
-            <a:solidFill>
-              <a:schemeClr val="dk2"/>
-            </a:solidFill>
-            <a:prstDash val="dash"/>
-            <a:round/>
-            <a:headEnd type="none" w="med" len="med"/>
-            <a:tailEnd type="none" w="med" len="med"/>
-          </a:ln>
-        </p:spPr>
-        <p:txBody>
-          <a:bodyPr lIns="91425" tIns="91425" rIns="91425" bIns="91425" anchor="ctr" anchorCtr="0">
-            <a:noAutofit/>
-          </a:bodyPr>
-          <a:lstStyle/>
-          <a:p>
-            <a:pPr lvl="0">
-              <a:spcBef>
-                <a:spcPts val="0"/>
-              </a:spcBef>
-              <a:buNone/>
-            </a:pPr>
-            <a:endParaRPr/>
-          </a:p>
-        </p:txBody>
-      </p:sp>
-      <p:sp>
-        <p:nvSpPr>
           <p:cNvPr id="254" name="Shape 254"/>
           <p:cNvSpPr txBox="1">
             <a:spLocks noGrp="1"/>
           </p:cNvSpPr>
           <p:nvPr>
-            <p:ph type="sldNum" idx="12"/>
+            <p:ph type="sldNum" sz="quarter" idx="12"/>
           </p:nvPr>
         </p:nvSpPr>
         <p:spPr>
-          <a:xfrm>
-            <a:off x="9900457" y="6459785"/>
-            <a:ext cx="1311900" cy="365100"/>
-          </a:xfrm>
           <a:prstGeom prst="rect">
             <a:avLst/>
           </a:prstGeom>
@@ -33456,6 +33361,44 @@
                 <a:srgbClr val="FFFFFF"/>
               </a:solidFill>
             </a:endParaRPr>
+          </a:p>
+        </p:txBody>
+      </p:sp>
+      <p:sp>
+        <p:nvSpPr>
+          <p:cNvPr id="291" name="Shape 291"/>
+          <p:cNvSpPr txBox="1">
+            <a:spLocks noGrp="1"/>
+          </p:cNvSpPr>
+          <p:nvPr>
+            <p:ph type="title" idx="4294967295"/>
+          </p:nvPr>
+        </p:nvSpPr>
+        <p:spPr>
+          <a:xfrm>
+            <a:off x="917575" y="212725"/>
+            <a:ext cx="11274425" cy="898525"/>
+          </a:xfrm>
+          <a:prstGeom prst="rect">
+            <a:avLst/>
+          </a:prstGeom>
+        </p:spPr>
+        <p:txBody>
+          <a:bodyPr lIns="91425" tIns="91425" rIns="91425" bIns="91425" anchor="b" anchorCtr="0">
+            <a:noAutofit/>
+          </a:bodyPr>
+          <a:lstStyle/>
+          <a:p>
+            <a:pPr lvl="0" rtl="0">
+              <a:spcBef>
+                <a:spcPts val="0"/>
+              </a:spcBef>
+              <a:buNone/>
+            </a:pPr>
+            <a:r>
+              <a:rPr lang="en-US"/>
+              <a:t>Problem Statement</a:t>
+            </a:r>
           </a:p>
         </p:txBody>
       </p:sp>
@@ -34807,44 +34750,6 @@
           </a:ln>
         </p:spPr>
       </p:cxnSp>
-      <p:sp>
-        <p:nvSpPr>
-          <p:cNvPr id="291" name="Shape 291"/>
-          <p:cNvSpPr txBox="1">
-            <a:spLocks noGrp="1"/>
-          </p:cNvSpPr>
-          <p:nvPr>
-            <p:ph type="title" idx="4294967295"/>
-          </p:nvPr>
-        </p:nvSpPr>
-        <p:spPr>
-          <a:xfrm>
-            <a:off x="687150" y="212000"/>
-            <a:ext cx="11274900" cy="899400"/>
-          </a:xfrm>
-          <a:prstGeom prst="rect">
-            <a:avLst/>
-          </a:prstGeom>
-        </p:spPr>
-        <p:txBody>
-          <a:bodyPr lIns="91425" tIns="91425" rIns="91425" bIns="91425" anchor="b" anchorCtr="0">
-            <a:noAutofit/>
-          </a:bodyPr>
-          <a:lstStyle/>
-          <a:p>
-            <a:pPr lvl="0" rtl="0">
-              <a:spcBef>
-                <a:spcPts val="0"/>
-              </a:spcBef>
-              <a:buNone/>
-            </a:pPr>
-            <a:r>
-              <a:rPr lang="en-US"/>
-              <a:t>Problem Statement</a:t>
-            </a:r>
-          </a:p>
-        </p:txBody>
-      </p:sp>
       <p:cxnSp>
         <p:nvCxnSpPr>
           <p:cNvPr id="292" name="Shape 292"/>
@@ -34874,7 +34779,7 @@
     </p:spTree>
   </p:cSld>
   <p:clrMapOvr>
-    <a:masterClrMapping/>
+    <a:overrideClrMapping bg1="lt1" tx1="dk1" bg2="lt2" tx2="dk2" accent1="accent1" accent2="accent2" accent3="accent3" accent4="accent4" accent5="accent5" accent6="accent6" hlink="hlink" folHlink="folHlink"/>
   </p:clrMapOvr>
   <p:transition spd="slow">
     <p:fade/>
@@ -35255,6 +35160,11 @@
 <file path=ppt/slides/slide5.xml><?xml version="1.0" encoding="utf-8"?>
 <p:sld xmlns:a="http://schemas.openxmlformats.org/drawingml/2006/main" xmlns:r="http://schemas.openxmlformats.org/officeDocument/2006/relationships" xmlns:p="http://schemas.openxmlformats.org/presentationml/2006/main">
   <p:cSld>
+    <p:bg>
+      <p:bgRef idx="1001">
+        <a:schemeClr val="bg1"/>
+      </p:bgRef>
+    </p:bg>
     <p:spTree>
       <p:nvGrpSpPr>
         <p:cNvPr id="1" name="Shape 306"/>
@@ -35276,14 +35186,10 @@
             <a:spLocks noGrp="1"/>
           </p:cNvSpPr>
           <p:nvPr>
-            <p:ph type="sldNum" idx="12"/>
+            <p:ph type="sldNum" sz="quarter" idx="12"/>
           </p:nvPr>
         </p:nvSpPr>
         <p:spPr>
-          <a:xfrm>
-            <a:off x="9900457" y="6459785"/>
-            <a:ext cx="1311900" cy="365100"/>
-          </a:xfrm>
           <a:prstGeom prst="rect">
             <a:avLst/>
           </a:prstGeom>
@@ -36092,7 +35998,7 @@
           <p:nvPr/>
         </p:nvPicPr>
         <p:blipFill>
-          <a:blip r:embed="rId3">
+          <a:blip r:embed="rId4">
             <a:alphaModFix/>
           </a:blip>
           <a:stretch>
@@ -36116,7 +36022,7 @@
     </p:spTree>
   </p:cSld>
   <p:clrMapOvr>
-    <a:masterClrMapping/>
+    <a:overrideClrMapping bg1="lt1" tx1="dk1" bg2="lt2" tx2="dk2" accent1="accent1" accent2="accent2" accent3="accent3" accent4="accent4" accent5="accent5" accent6="accent6" hlink="hlink" folHlink="folHlink"/>
   </p:clrMapOvr>
   <p:transition spd="slow">
     <p:fade/>
@@ -37831,7 +37737,7 @@
     </p:spTree>
     <p:extLst>
       <p:ext uri="{BB962C8B-B14F-4D97-AF65-F5344CB8AC3E}">
-        <p14:creationId xmlns:p14="http://schemas.microsoft.com/office/powerpoint/2010/main" xmlns="" val="1371219152"/>
+        <p14:creationId xmlns="" xmlns:p14="http://schemas.microsoft.com/office/powerpoint/2010/main" val="1371219152"/>
       </p:ext>
     </p:extLst>
   </p:cSld>
@@ -38050,7 +37956,7 @@
     </p:spTree>
     <p:extLst>
       <p:ext uri="{BB962C8B-B14F-4D97-AF65-F5344CB8AC3E}">
-        <p14:creationId xmlns:p14="http://schemas.microsoft.com/office/powerpoint/2010/main" xmlns="" val="2260543410"/>
+        <p14:creationId xmlns="" xmlns:p14="http://schemas.microsoft.com/office/powerpoint/2010/main" val="2260543410"/>
       </p:ext>
     </p:extLst>
   </p:cSld>
@@ -38899,7 +38805,7 @@
   <a:extraClrSchemeLst/>
   <a:extLst>
     <a:ext uri="{05A4C25C-085E-4340-85A3-A5531E510DB2}">
-      <thm15:themeFamily xmlns:thm15="http://schemas.microsoft.com/office/thememl/2012/main" xmlns="" name="Retrospect" id="{5F128B03-DCCA-4EEB-AB3B-CF2899314A46}" vid="{02006FA4-1611-4B07-AF7F-85CF6D20EB3E}"/>
+      <thm15:themeFamily xmlns="" xmlns:thm15="http://schemas.microsoft.com/office/thememl/2012/main" name="Retrospect" id="{5F128B03-DCCA-4EEB-AB3B-CF2899314A46}" vid="{02006FA4-1611-4B07-AF7F-85CF6D20EB3E}"/>
     </a:ext>
   </a:extLst>
 </a:theme>
@@ -39227,4 +39133,90 @@
     </a:folHlink>
   </a:clrScheme>
 </a:themeOverride>
+</file>
+
+<file path=ppt/theme/themeOverride2.xml><?xml version="1.0" encoding="utf-8"?>
+<a:themeOverride xmlns:a="http://schemas.openxmlformats.org/drawingml/2006/main">
+  <a:clrScheme name="Oracle">
+    <a:dk1>
+      <a:sysClr val="windowText" lastClr="000000"/>
+    </a:dk1>
+    <a:lt1>
+      <a:sysClr val="window" lastClr="FFFFFF"/>
+    </a:lt1>
+    <a:dk2>
+      <a:srgbClr val="696464"/>
+    </a:dk2>
+    <a:lt2>
+      <a:srgbClr val="E9E5DC"/>
+    </a:lt2>
+    <a:accent1>
+      <a:srgbClr val="FF0000"/>
+    </a:accent1>
+    <a:accent2>
+      <a:srgbClr val="800000"/>
+    </a:accent2>
+    <a:accent3>
+      <a:srgbClr val="A28E6A"/>
+    </a:accent3>
+    <a:accent4>
+      <a:srgbClr val="956251"/>
+    </a:accent4>
+    <a:accent5>
+      <a:srgbClr val="918485"/>
+    </a:accent5>
+    <a:accent6>
+      <a:srgbClr val="855D5D"/>
+    </a:accent6>
+    <a:hlink>
+      <a:srgbClr val="CC9900"/>
+    </a:hlink>
+    <a:folHlink>
+      <a:srgbClr val="96A9A9"/>
+    </a:folHlink>
+  </a:clrScheme>
+</a:themeOverride>
+</file>
+
+<file path=ppt/theme/themeOverride3.xml><?xml version="1.0" encoding="utf-8"?>
+<a:themeOverride xmlns:a="http://schemas.openxmlformats.org/drawingml/2006/main">
+  <a:clrScheme name="Oracle">
+    <a:dk1>
+      <a:sysClr val="windowText" lastClr="000000"/>
+    </a:dk1>
+    <a:lt1>
+      <a:sysClr val="window" lastClr="FFFFFF"/>
+    </a:lt1>
+    <a:dk2>
+      <a:srgbClr val="696464"/>
+    </a:dk2>
+    <a:lt2>
+      <a:srgbClr val="E9E5DC"/>
+    </a:lt2>
+    <a:accent1>
+      <a:srgbClr val="FF0000"/>
+    </a:accent1>
+    <a:accent2>
+      <a:srgbClr val="800000"/>
+    </a:accent2>
+    <a:accent3>
+      <a:srgbClr val="A28E6A"/>
+    </a:accent3>
+    <a:accent4>
+      <a:srgbClr val="956251"/>
+    </a:accent4>
+    <a:accent5>
+      <a:srgbClr val="918485"/>
+    </a:accent5>
+    <a:accent6>
+      <a:srgbClr val="855D5D"/>
+    </a:accent6>
+    <a:hlink>
+      <a:srgbClr val="CC9900"/>
+    </a:hlink>
+    <a:folHlink>
+      <a:srgbClr val="96A9A9"/>
+    </a:folHlink>
+  </a:clrScheme>
+</a:themeOverride>
 </file>
--- a/deliverables/Release 2/NVMe HPE Team Presentation.pptx
+++ b/deliverables/Release 2/NVMe HPE Team Presentation.pptx
@@ -31313,7 +31313,7 @@
     </p:spTree>
     <p:extLst>
       <p:ext uri="{BB962C8B-B14F-4D97-AF65-F5344CB8AC3E}">
-        <p14:creationId xmlns="" xmlns:p14="http://schemas.microsoft.com/office/powerpoint/2010/main" val="3212934282"/>
+        <p14:creationId xmlns:p14="http://schemas.microsoft.com/office/powerpoint/2010/main" xmlns="" val="3212934282"/>
       </p:ext>
     </p:extLst>
   </p:cSld>
@@ -31755,7 +31755,7 @@
     </p:spTree>
     <p:extLst>
       <p:ext uri="{BB962C8B-B14F-4D97-AF65-F5344CB8AC3E}">
-        <p14:creationId xmlns="" xmlns:p14="http://schemas.microsoft.com/office/powerpoint/2010/main" val="1822668284"/>
+        <p14:creationId xmlns:p14="http://schemas.microsoft.com/office/powerpoint/2010/main" xmlns="" val="1822668284"/>
       </p:ext>
     </p:extLst>
   </p:cSld>
@@ -33265,6 +33265,47 @@
           </a:ln>
         </p:spPr>
       </p:cxnSp>
+      <p:sp>
+        <p:nvSpPr>
+          <p:cNvPr id="41" name="Shape 208"/>
+          <p:cNvSpPr/>
+          <p:nvPr/>
+        </p:nvSpPr>
+        <p:spPr>
+          <a:xfrm>
+            <a:off x="1997100" y="1316950"/>
+            <a:ext cx="9068700" cy="3957000"/>
+          </a:xfrm>
+          <a:prstGeom prst="rect">
+            <a:avLst/>
+          </a:prstGeom>
+          <a:noFill/>
+          <a:ln w="19050" cap="flat" cmpd="sng">
+            <a:solidFill>
+              <a:schemeClr val="dk2"/>
+            </a:solidFill>
+            <a:prstDash val="dash"/>
+            <a:round/>
+            <a:headEnd type="none" w="med" len="med"/>
+            <a:tailEnd type="none" w="med" len="med"/>
+          </a:ln>
+        </p:spPr>
+        <p:txBody>
+          <a:bodyPr lIns="91425" tIns="91425" rIns="91425" bIns="91425" anchor="ctr" anchorCtr="0">
+            <a:noAutofit/>
+          </a:bodyPr>
+          <a:lstStyle/>
+          <a:p>
+            <a:pPr lvl="0">
+              <a:spcBef>
+                <a:spcPts val="0"/>
+              </a:spcBef>
+              <a:buNone/>
+            </a:pPr>
+            <a:endParaRPr/>
+          </a:p>
+        </p:txBody>
+      </p:sp>
     </p:spTree>
   </p:cSld>
   <p:clrMapOvr>
@@ -34776,6 +34817,47 @@
           </a:ln>
         </p:spPr>
       </p:cxnSp>
+      <p:sp>
+        <p:nvSpPr>
+          <p:cNvPr id="41" name="Shape 208"/>
+          <p:cNvSpPr/>
+          <p:nvPr/>
+        </p:nvSpPr>
+        <p:spPr>
+          <a:xfrm>
+            <a:off x="1997100" y="1316950"/>
+            <a:ext cx="9068700" cy="3957000"/>
+          </a:xfrm>
+          <a:prstGeom prst="rect">
+            <a:avLst/>
+          </a:prstGeom>
+          <a:noFill/>
+          <a:ln w="19050" cap="flat" cmpd="sng">
+            <a:solidFill>
+              <a:schemeClr val="dk2"/>
+            </a:solidFill>
+            <a:prstDash val="dash"/>
+            <a:round/>
+            <a:headEnd type="none" w="med" len="med"/>
+            <a:tailEnd type="none" w="med" len="med"/>
+          </a:ln>
+        </p:spPr>
+        <p:txBody>
+          <a:bodyPr lIns="91425" tIns="91425" rIns="91425" bIns="91425" anchor="ctr" anchorCtr="0">
+            <a:noAutofit/>
+          </a:bodyPr>
+          <a:lstStyle/>
+          <a:p>
+            <a:pPr lvl="0">
+              <a:spcBef>
+                <a:spcPts val="0"/>
+              </a:spcBef>
+              <a:buNone/>
+            </a:pPr>
+            <a:endParaRPr/>
+          </a:p>
+        </p:txBody>
+      </p:sp>
     </p:spTree>
   </p:cSld>
   <p:clrMapOvr>
@@ -34872,8 +34954,8 @@
         </p:nvSpPr>
         <p:spPr>
           <a:xfrm>
-            <a:off x="1169575" y="2020175"/>
-            <a:ext cx="9978000" cy="613200"/>
+            <a:off x="1143000" y="2020175"/>
+            <a:ext cx="9982200" cy="613200"/>
           </a:xfrm>
           <a:prstGeom prst="rect">
             <a:avLst/>
@@ -34884,12 +34966,12 @@
           </a:ln>
         </p:spPr>
         <p:txBody>
-          <a:bodyPr lIns="0" tIns="45700" rIns="0" bIns="45700" anchor="t" anchorCtr="0">
+          <a:bodyPr lIns="91425" tIns="91425" rIns="91425" bIns="91425" anchor="t" anchorCtr="0">
             <a:noAutofit/>
           </a:bodyPr>
           <a:lstStyle/>
           <a:p>
-            <a:pPr lvl="0" rtl="0">
+            <a:pPr indent="-116840">
               <a:lnSpc>
                 <a:spcPct val="100000"/>
               </a:lnSpc>
@@ -34902,12 +34984,16 @@
               <a:buClr>
                 <a:srgbClr val="FFC000"/>
               </a:buClr>
-              <a:buSzPct val="100000"/>
               <a:buFont typeface="Noto Sans Symbols"/>
+              <a:buChar char="▪"/>
             </a:pPr>
             <a:r>
-              <a:rPr lang="en-US" sz="2400"/>
-              <a:t>  Assemble protocol stack</a:t>
+              <a:rPr lang="en-US" sz="2400" dirty="0" smtClean="0"/>
+              <a:t>  Assemble </a:t>
+            </a:r>
+            <a:r>
+              <a:rPr lang="en-US" sz="2400" dirty="0"/>
+              <a:t>protocol stack</a:t>
             </a:r>
           </a:p>
         </p:txBody>
@@ -34983,7 +35069,7 @@
         </p:nvSpPr>
         <p:spPr>
           <a:xfrm>
-            <a:off x="1089325" y="2771375"/>
+            <a:off x="1143000" y="2771375"/>
             <a:ext cx="10058400" cy="613200"/>
           </a:xfrm>
           <a:prstGeom prst="rect">
@@ -35018,7 +35104,7 @@
               <a:buChar char="▪"/>
             </a:pPr>
             <a:r>
-              <a:rPr lang="en-US" sz="2400">
+              <a:rPr lang="en-US" sz="2400" dirty="0">
                 <a:solidFill>
                   <a:srgbClr val="3F3F3F"/>
                 </a:solidFill>
@@ -35040,7 +35126,7 @@
         </p:nvSpPr>
         <p:spPr>
           <a:xfrm>
-            <a:off x="1097275" y="3536975"/>
+            <a:off x="1150950" y="3536975"/>
             <a:ext cx="10050300" cy="613200"/>
           </a:xfrm>
           <a:prstGeom prst="rect">
@@ -35097,7 +35183,7 @@
         </p:nvSpPr>
         <p:spPr>
           <a:xfrm>
-            <a:off x="1097275" y="4302575"/>
+            <a:off x="1150950" y="4302575"/>
             <a:ext cx="10050300" cy="613200"/>
           </a:xfrm>
           <a:prstGeom prst="rect">
@@ -37737,7 +37823,7 @@
     </p:spTree>
     <p:extLst>
       <p:ext uri="{BB962C8B-B14F-4D97-AF65-F5344CB8AC3E}">
-        <p14:creationId xmlns="" xmlns:p14="http://schemas.microsoft.com/office/powerpoint/2010/main" val="1371219152"/>
+        <p14:creationId xmlns:p14="http://schemas.microsoft.com/office/powerpoint/2010/main" xmlns="" val="1371219152"/>
       </p:ext>
     </p:extLst>
   </p:cSld>
@@ -37956,7 +38042,7 @@
     </p:spTree>
     <p:extLst>
       <p:ext uri="{BB962C8B-B14F-4D97-AF65-F5344CB8AC3E}">
-        <p14:creationId xmlns="" xmlns:p14="http://schemas.microsoft.com/office/powerpoint/2010/main" val="2260543410"/>
+        <p14:creationId xmlns:p14="http://schemas.microsoft.com/office/powerpoint/2010/main" xmlns="" val="2260543410"/>
       </p:ext>
     </p:extLst>
   </p:cSld>
@@ -38805,7 +38891,7 @@
   <a:extraClrSchemeLst/>
   <a:extLst>
     <a:ext uri="{05A4C25C-085E-4340-85A3-A5531E510DB2}">
-      <thm15:themeFamily xmlns="" xmlns:thm15="http://schemas.microsoft.com/office/thememl/2012/main" name="Retrospect" id="{5F128B03-DCCA-4EEB-AB3B-CF2899314A46}" vid="{02006FA4-1611-4B07-AF7F-85CF6D20EB3E}"/>
+      <thm15:themeFamily xmlns:thm15="http://schemas.microsoft.com/office/thememl/2012/main" xmlns="" name="Retrospect" id="{5F128B03-DCCA-4EEB-AB3B-CF2899314A46}" vid="{02006FA4-1611-4B07-AF7F-85CF6D20EB3E}"/>
     </a:ext>
   </a:extLst>
 </a:theme>

--- a/deliverables/Release 2/NVMe HPE Team Presentation.pptx
+++ b/deliverables/Release 2/NVMe HPE Team Presentation.pptx
@@ -31313,7 +31313,7 @@
     </p:spTree>
     <p:extLst>
       <p:ext uri="{BB962C8B-B14F-4D97-AF65-F5344CB8AC3E}">
-        <p14:creationId xmlns:p14="http://schemas.microsoft.com/office/powerpoint/2010/main" xmlns="" val="3212934282"/>
+        <p14:creationId xmlns="" xmlns:p14="http://schemas.microsoft.com/office/powerpoint/2010/main" val="3212934282"/>
       </p:ext>
     </p:extLst>
   </p:cSld>
@@ -31755,7 +31755,7 @@
     </p:spTree>
     <p:extLst>
       <p:ext uri="{BB962C8B-B14F-4D97-AF65-F5344CB8AC3E}">
-        <p14:creationId xmlns:p14="http://schemas.microsoft.com/office/powerpoint/2010/main" xmlns="" val="1822668284"/>
+        <p14:creationId xmlns="" xmlns:p14="http://schemas.microsoft.com/office/powerpoint/2010/main" val="1822668284"/>
       </p:ext>
     </p:extLst>
   </p:cSld>
@@ -36183,8 +36183,16 @@
               <a:buNone/>
             </a:pPr>
             <a:r>
-              <a:rPr lang="en-US"/>
-              <a:t>What is nbdX?</a:t>
+              <a:rPr lang="en-US" dirty="0"/>
+              <a:t>What is </a:t>
+            </a:r>
+            <a:r>
+              <a:rPr lang="en-US" dirty="0" err="1"/>
+              <a:t>nbdX</a:t>
+            </a:r>
+            <a:r>
+              <a:rPr lang="en-US" dirty="0"/>
+              <a:t>?</a:t>
             </a:r>
           </a:p>
         </p:txBody>
@@ -36228,9 +36236,10 @@
               <a:buNone/>
             </a:pPr>
             <a:r>
-              <a:rPr lang="en-US" b="1"/>
+              <a:rPr lang="en-US" sz="2200" b="1" dirty="0" err="1"/>
               <a:t>nbdX</a:t>
             </a:r>
+            <a:endParaRPr lang="en-US" sz="2200" b="1" dirty="0"/>
           </a:p>
           <a:p>
             <a:pPr lvl="1" rtl="0">
@@ -36248,9 +36257,26 @@
               <a:buChar char="▪"/>
             </a:pPr>
             <a:r>
-              <a:rPr lang="en-US"/>
-              <a:t>Network block device over Accelio</a:t>
+              <a:rPr lang="en-US" sz="2000" dirty="0" smtClean="0"/>
+              <a:t>  Network </a:t>
             </a:r>
+            <a:r>
+              <a:rPr lang="en-US" sz="2000" dirty="0" smtClean="0"/>
+              <a:t>block</a:t>
+            </a:r>
+            <a:r>
+              <a:rPr lang="en-US" sz="2000" dirty="0" smtClean="0"/>
+              <a:t> </a:t>
+            </a:r>
+            <a:r>
+              <a:rPr lang="en-US" sz="2000" dirty="0"/>
+              <a:t>device over </a:t>
+            </a:r>
+            <a:r>
+              <a:rPr lang="en-US" sz="2000" dirty="0" err="1"/>
+              <a:t>Accelio</a:t>
+            </a:r>
+            <a:endParaRPr lang="en-US" sz="2000" dirty="0"/>
           </a:p>
           <a:p>
             <a:pPr lvl="1" rtl="0">
@@ -36268,8 +36294,20 @@
               <a:buChar char="▪"/>
             </a:pPr>
             <a:r>
-              <a:rPr lang="en-US"/>
-              <a:t>Pre-specification release of NVMe Over Fabrics</a:t>
+              <a:rPr lang="en-US" sz="2000" dirty="0" smtClean="0"/>
+              <a:t>  Pre-specification </a:t>
+            </a:r>
+            <a:r>
+              <a:rPr lang="en-US" sz="2000" dirty="0"/>
+              <a:t>release of </a:t>
+            </a:r>
+            <a:r>
+              <a:rPr lang="en-US" sz="2000" dirty="0" err="1"/>
+              <a:t>NVMe</a:t>
+            </a:r>
+            <a:r>
+              <a:rPr lang="en-US" sz="2000" dirty="0"/>
+              <a:t> Over Fabrics</a:t>
             </a:r>
           </a:p>
           <a:p>
@@ -36288,9 +36326,18 @@
               <a:buChar char="▪"/>
             </a:pPr>
             <a:r>
-              <a:rPr lang="en-US"/>
-              <a:t>Built to utilize high speed network fabrics through Accelio</a:t>
+              <a:rPr lang="en-US" sz="2000" dirty="0" smtClean="0"/>
+              <a:t>  Built </a:t>
             </a:r>
+            <a:r>
+              <a:rPr lang="en-US" sz="2000" dirty="0"/>
+              <a:t>to utilize high speed network fabrics through </a:t>
+            </a:r>
+            <a:r>
+              <a:rPr lang="en-US" sz="2000" dirty="0" err="1"/>
+              <a:t>Accelio</a:t>
+            </a:r>
+            <a:endParaRPr lang="en-US" sz="2000" dirty="0"/>
           </a:p>
           <a:p>
             <a:pPr lvl="1" rtl="0">
@@ -36308,12 +36355,20 @@
               <a:buChar char="▪"/>
             </a:pPr>
             <a:r>
-              <a:rPr lang="en-US">
+              <a:rPr lang="en-US" sz="2000" dirty="0" smtClean="0">
                 <a:solidFill>
                   <a:srgbClr val="434343"/>
                 </a:solidFill>
               </a:rPr>
-              <a:t>Presents remote storage as locally attached storage </a:t>
+              <a:t>  Presents </a:t>
+            </a:r>
+            <a:r>
+              <a:rPr lang="en-US" sz="2000" dirty="0">
+                <a:solidFill>
+                  <a:srgbClr val="434343"/>
+                </a:solidFill>
+              </a:rPr>
+              <a:t>remote storage as locally attached storage </a:t>
             </a:r>
           </a:p>
           <a:p>
@@ -36343,7 +36398,7 @@
               <a:buNone/>
             </a:pPr>
             <a:r>
-              <a:rPr lang="en-US" b="1"/>
+              <a:rPr lang="en-US" sz="2200" b="1" dirty="0"/>
               <a:t>Benefits</a:t>
             </a:r>
           </a:p>
@@ -36363,8 +36418,24 @@
               <a:buChar char="▪"/>
             </a:pPr>
             <a:r>
-              <a:rPr lang="en-US"/>
-              <a:t>Maximized performance for remote attached NVMe storage</a:t>
+              <a:rPr lang="en-US" dirty="0" smtClean="0"/>
+              <a:t>  </a:t>
+            </a:r>
+            <a:r>
+              <a:rPr lang="en-US" sz="2000" dirty="0" smtClean="0"/>
+              <a:t>Maximized </a:t>
+            </a:r>
+            <a:r>
+              <a:rPr lang="en-US" sz="2000" dirty="0"/>
+              <a:t>performance for remote attached </a:t>
+            </a:r>
+            <a:r>
+              <a:rPr lang="en-US" sz="2000" dirty="0" err="1"/>
+              <a:t>NVMe</a:t>
+            </a:r>
+            <a:r>
+              <a:rPr lang="en-US" sz="2000" dirty="0"/>
+              <a:t> storage</a:t>
             </a:r>
           </a:p>
           <a:p>
@@ -36383,8 +36454,12 @@
               <a:buChar char="▪"/>
             </a:pPr>
             <a:r>
-              <a:rPr lang="en-US"/>
-              <a:t>Minimized CPU utilization of the host system</a:t>
+              <a:rPr lang="en-US" sz="2000" dirty="0" smtClean="0"/>
+              <a:t>  Minimized </a:t>
+            </a:r>
+            <a:r>
+              <a:rPr lang="en-US" sz="2000" dirty="0"/>
+              <a:t>CPU utilization of the host system</a:t>
             </a:r>
           </a:p>
           <a:p>
@@ -36586,7 +36661,7 @@
         </p:nvSpPr>
         <p:spPr>
           <a:xfrm>
-            <a:off x="1097279" y="1845733"/>
+            <a:off x="1097279" y="1844100"/>
             <a:ext cx="10058400" cy="4023300"/>
           </a:xfrm>
           <a:prstGeom prst="rect">
@@ -36613,9 +36688,10 @@
               <a:buNone/>
             </a:pPr>
             <a:r>
-              <a:rPr lang="en-US" b="1"/>
+              <a:rPr lang="en-US" sz="2200" b="1" dirty="0" err="1"/>
               <a:t>Accelio</a:t>
             </a:r>
+            <a:endParaRPr lang="en-US" sz="2200" b="1" dirty="0"/>
           </a:p>
           <a:p>
             <a:pPr lvl="1" rtl="0">
@@ -36633,8 +36709,12 @@
               <a:buChar char="▪"/>
             </a:pPr>
             <a:r>
-              <a:rPr lang="en-US"/>
-              <a:t>Open source, high-performance, acceleration library for fabrics</a:t>
+              <a:rPr lang="en-US" sz="2000" dirty="0" smtClean="0"/>
+              <a:t>  Open </a:t>
+            </a:r>
+            <a:r>
+              <a:rPr lang="en-US" sz="2000" dirty="0"/>
+              <a:t>source, high-performance, acceleration library for fabrics</a:t>
             </a:r>
           </a:p>
           <a:p>
@@ -36653,8 +36733,12 @@
               <a:buChar char="▪"/>
             </a:pPr>
             <a:r>
-              <a:rPr lang="en-US"/>
-              <a:t>Built to fully utilize high speed network fabrics and the protocols they support</a:t>
+              <a:rPr lang="en-US" sz="2000" dirty="0" smtClean="0"/>
+              <a:t>  Built </a:t>
+            </a:r>
+            <a:r>
+              <a:rPr lang="en-US" sz="2000" dirty="0"/>
+              <a:t>to fully utilize high speed network fabrics and the protocols they support</a:t>
             </a:r>
           </a:p>
           <a:p>
@@ -36680,7 +36764,7 @@
               <a:buNone/>
             </a:pPr>
             <a:r>
-              <a:rPr lang="en-US" b="1"/>
+              <a:rPr lang="en-US" sz="2200" b="1" dirty="0"/>
               <a:t>Provides</a:t>
             </a:r>
           </a:p>
@@ -36700,8 +36784,12 @@
               <a:buChar char="▪"/>
             </a:pPr>
             <a:r>
-              <a:rPr lang="en-US"/>
-              <a:t>Designed for multi-core CPUs and multi-threaded applications</a:t>
+              <a:rPr lang="en-US" sz="2000" dirty="0" smtClean="0"/>
+              <a:t>  Designed </a:t>
+            </a:r>
+            <a:r>
+              <a:rPr lang="en-US" sz="2000" dirty="0"/>
+              <a:t>for multi-core CPUs and multi-threaded applications</a:t>
             </a:r>
           </a:p>
           <a:p>
@@ -36720,8 +36808,12 @@
               <a:buChar char="▪"/>
             </a:pPr>
             <a:r>
-              <a:rPr lang="en-US"/>
-              <a:t>Supports multiple network transport layers</a:t>
+              <a:rPr lang="en-US" sz="2000" dirty="0" smtClean="0"/>
+              <a:t>  Supports </a:t>
+            </a:r>
+            <a:r>
+              <a:rPr lang="en-US" sz="2000" dirty="0"/>
+              <a:t>multiple network transport layers</a:t>
             </a:r>
           </a:p>
           <a:p>
@@ -36747,7 +36839,7 @@
               <a:buNone/>
             </a:pPr>
             <a:r>
-              <a:rPr lang="en-US" b="1"/>
+              <a:rPr lang="en-US" sz="2200" b="1" dirty="0"/>
               <a:t>Benefits</a:t>
             </a:r>
           </a:p>
@@ -36767,8 +36859,12 @@
               <a:buChar char="▪"/>
             </a:pPr>
             <a:r>
-              <a:rPr lang="en-US"/>
-              <a:t>High throughput and low CPU utilization</a:t>
+              <a:rPr lang="en-US" sz="2000" dirty="0" smtClean="0"/>
+              <a:t>  High </a:t>
+            </a:r>
+            <a:r>
+              <a:rPr lang="en-US" sz="2000" dirty="0"/>
+              <a:t>throughput and low CPU utilization</a:t>
             </a:r>
           </a:p>
         </p:txBody>
@@ -37823,7 +37919,7 @@
     </p:spTree>
     <p:extLst>
       <p:ext uri="{BB962C8B-B14F-4D97-AF65-F5344CB8AC3E}">
-        <p14:creationId xmlns:p14="http://schemas.microsoft.com/office/powerpoint/2010/main" xmlns="" val="1371219152"/>
+        <p14:creationId xmlns="" xmlns:p14="http://schemas.microsoft.com/office/powerpoint/2010/main" val="1371219152"/>
       </p:ext>
     </p:extLst>
   </p:cSld>
@@ -38042,7 +38138,7 @@
     </p:spTree>
     <p:extLst>
       <p:ext uri="{BB962C8B-B14F-4D97-AF65-F5344CB8AC3E}">
-        <p14:creationId xmlns:p14="http://schemas.microsoft.com/office/powerpoint/2010/main" xmlns="" val="2260543410"/>
+        <p14:creationId xmlns="" xmlns:p14="http://schemas.microsoft.com/office/powerpoint/2010/main" val="2260543410"/>
       </p:ext>
     </p:extLst>
   </p:cSld>
@@ -38891,7 +38987,7 @@
   <a:extraClrSchemeLst/>
   <a:extLst>
     <a:ext uri="{05A4C25C-085E-4340-85A3-A5531E510DB2}">
-      <thm15:themeFamily xmlns:thm15="http://schemas.microsoft.com/office/thememl/2012/main" xmlns="" name="Retrospect" id="{5F128B03-DCCA-4EEB-AB3B-CF2899314A46}" vid="{02006FA4-1611-4B07-AF7F-85CF6D20EB3E}"/>
+      <thm15:themeFamily xmlns="" xmlns:thm15="http://schemas.microsoft.com/office/thememl/2012/main" name="Retrospect" id="{5F128B03-DCCA-4EEB-AB3B-CF2899314A46}" vid="{02006FA4-1611-4B07-AF7F-85CF6D20EB3E}"/>
     </a:ext>
   </a:extLst>
 </a:theme>

--- a/deliverables/Release 2/NVMe HPE Team Presentation.pptx
+++ b/deliverables/Release 2/NVMe HPE Team Presentation.pptx
@@ -29499,9 +29499,7 @@
   <p:clrMapOvr>
     <a:masterClrMapping/>
   </p:clrMapOvr>
-  <p:transition spd="slow">
-    <p:fade/>
-  </p:transition>
+  <p:transition spd="slow"/>
   <p:timing>
     <p:tnLst>
       <p:par>
@@ -29754,6 +29752,7 @@
   <p:clrMapOvr>
     <a:masterClrMapping/>
   </p:clrMapOvr>
+  <p:transition/>
 </p:sld>
 </file>
 
@@ -29972,6 +29971,7 @@
   <p:clrMapOvr>
     <a:masterClrMapping/>
   </p:clrMapOvr>
+  <p:transition/>
 </p:sld>
 </file>
 
@@ -30224,6 +30224,7 @@
   <p:clrMapOvr>
     <a:masterClrMapping/>
   </p:clrMapOvr>
+  <p:transition/>
 </p:sld>
 </file>
 
@@ -30417,6 +30418,7 @@
   <p:clrMapOvr>
     <a:masterClrMapping/>
   </p:clrMapOvr>
+  <p:transition/>
 </p:sld>
 </file>
 
@@ -30617,6 +30619,7 @@
   <p:clrMapOvr>
     <a:masterClrMapping/>
   </p:clrMapOvr>
+  <p:transition/>
 </p:sld>
 </file>
 
@@ -31313,13 +31316,14 @@
     </p:spTree>
     <p:extLst>
       <p:ext uri="{BB962C8B-B14F-4D97-AF65-F5344CB8AC3E}">
-        <p14:creationId xmlns="" xmlns:p14="http://schemas.microsoft.com/office/powerpoint/2010/main" val="3212934282"/>
+        <p14:creationId xmlns:p14="http://schemas.microsoft.com/office/powerpoint/2010/main" xmlns="" val="3212934282"/>
       </p:ext>
     </p:extLst>
   </p:cSld>
   <p:clrMapOvr>
     <a:masterClrMapping/>
   </p:clrMapOvr>
+  <p:transition/>
 </p:sld>
 </file>
 
@@ -31520,6 +31524,7 @@
   <p:clrMapOvr>
     <a:masterClrMapping/>
   </p:clrMapOvr>
+  <p:transition/>
 </p:sld>
 </file>
 
@@ -31755,13 +31760,14 @@
     </p:spTree>
     <p:extLst>
       <p:ext uri="{BB962C8B-B14F-4D97-AF65-F5344CB8AC3E}">
-        <p14:creationId xmlns="" xmlns:p14="http://schemas.microsoft.com/office/powerpoint/2010/main" val="1822668284"/>
+        <p14:creationId xmlns:p14="http://schemas.microsoft.com/office/powerpoint/2010/main" xmlns="" val="1822668284"/>
       </p:ext>
     </p:extLst>
   </p:cSld>
   <p:clrMapOvr>
     <a:masterClrMapping/>
   </p:clrMapOvr>
+  <p:transition/>
   <p:timing>
     <p:tnLst>
       <p:par>
@@ -33311,9 +33317,7 @@
   <p:clrMapOvr>
     <a:overrideClrMapping bg1="lt1" tx1="dk1" bg2="lt2" tx2="dk2" accent1="accent1" accent2="accent2" accent3="accent3" accent4="accent4" accent5="accent5" accent6="accent6" hlink="hlink" folHlink="folHlink"/>
   </p:clrMapOvr>
-  <p:transition spd="slow">
-    <p:fade/>
-  </p:transition>
+  <p:transition spd="slow"/>
   <p:timing>
     <p:tnLst>
       <p:par>
@@ -34863,9 +34867,7 @@
   <p:clrMapOvr>
     <a:overrideClrMapping bg1="lt1" tx1="dk1" bg2="lt2" tx2="dk2" accent1="accent1" accent2="accent2" accent3="accent3" accent4="accent4" accent5="accent5" accent6="accent6" hlink="hlink" folHlink="folHlink"/>
   </p:clrMapOvr>
-  <p:transition spd="slow">
-    <p:fade/>
-  </p:transition>
+  <p:transition spd="slow"/>
 </p:sld>
 </file>
 
@@ -35237,9 +35239,7 @@
   <p:clrMapOvr>
     <a:masterClrMapping/>
   </p:clrMapOvr>
-  <p:transition spd="slow">
-    <p:fade/>
-  </p:transition>
+  <p:transition spd="slow"/>
 </p:sld>
 </file>
 
@@ -36110,9 +36110,7 @@
   <p:clrMapOvr>
     <a:overrideClrMapping bg1="lt1" tx1="dk1" bg2="lt2" tx2="dk2" accent1="accent1" accent2="accent2" accent3="accent3" accent4="accent4" accent5="accent5" accent6="accent6" hlink="hlink" folHlink="folHlink"/>
   </p:clrMapOvr>
-  <p:transition spd="slow">
-    <p:fade/>
-  </p:transition>
+  <p:transition spd="slow"/>
 </p:sld>
 </file>
 
@@ -36258,15 +36256,7 @@
             </a:pPr>
             <a:r>
               <a:rPr lang="en-US" sz="2000" dirty="0" smtClean="0"/>
-              <a:t>  Network </a:t>
-            </a:r>
-            <a:r>
-              <a:rPr lang="en-US" sz="2000" dirty="0" smtClean="0"/>
-              <a:t>block</a:t>
-            </a:r>
-            <a:r>
-              <a:rPr lang="en-US" sz="2000" dirty="0" smtClean="0"/>
-              <a:t> </a:t>
+              <a:t>  Network block </a:t>
             </a:r>
             <a:r>
               <a:rPr lang="en-US" sz="2000" dirty="0"/>
@@ -36570,9 +36560,7 @@
   <p:clrMapOvr>
     <a:masterClrMapping/>
   </p:clrMapOvr>
-  <p:transition spd="slow">
-    <p:fade/>
-  </p:transition>
+  <p:transition spd="slow"/>
 </p:sld>
 </file>
 
@@ -36937,9 +36925,7 @@
   <p:clrMapOvr>
     <a:masterClrMapping/>
   </p:clrMapOvr>
-  <p:transition spd="slow">
-    <p:fade/>
-  </p:transition>
+  <p:transition spd="slow"/>
 </p:sld>
 </file>
 
@@ -37919,13 +37905,14 @@
     </p:spTree>
     <p:extLst>
       <p:ext uri="{BB962C8B-B14F-4D97-AF65-F5344CB8AC3E}">
-        <p14:creationId xmlns="" xmlns:p14="http://schemas.microsoft.com/office/powerpoint/2010/main" val="1371219152"/>
+        <p14:creationId xmlns:p14="http://schemas.microsoft.com/office/powerpoint/2010/main" xmlns="" val="1371219152"/>
       </p:ext>
     </p:extLst>
   </p:cSld>
   <p:clrMapOvr>
     <a:masterClrMapping/>
   </p:clrMapOvr>
+  <p:transition/>
 </p:sld>
 </file>
 
@@ -38138,13 +38125,14 @@
     </p:spTree>
     <p:extLst>
       <p:ext uri="{BB962C8B-B14F-4D97-AF65-F5344CB8AC3E}">
-        <p14:creationId xmlns="" xmlns:p14="http://schemas.microsoft.com/office/powerpoint/2010/main" val="2260543410"/>
+        <p14:creationId xmlns:p14="http://schemas.microsoft.com/office/powerpoint/2010/main" xmlns="" val="2260543410"/>
       </p:ext>
     </p:extLst>
   </p:cSld>
   <p:clrMapOvr>
     <a:masterClrMapping/>
   </p:clrMapOvr>
+  <p:transition/>
 </p:sld>
 </file>
 
@@ -38987,7 +38975,7 @@
   <a:extraClrSchemeLst/>
   <a:extLst>
     <a:ext uri="{05A4C25C-085E-4340-85A3-A5531E510DB2}">
-      <thm15:themeFamily xmlns="" xmlns:thm15="http://schemas.microsoft.com/office/thememl/2012/main" name="Retrospect" id="{5F128B03-DCCA-4EEB-AB3B-CF2899314A46}" vid="{02006FA4-1611-4B07-AF7F-85CF6D20EB3E}"/>
+      <thm15:themeFamily xmlns:thm15="http://schemas.microsoft.com/office/thememl/2012/main" xmlns="" name="Retrospect" id="{5F128B03-DCCA-4EEB-AB3B-CF2899314A46}" vid="{02006FA4-1611-4B07-AF7F-85CF6D20EB3E}"/>
     </a:ext>
   </a:extLst>
 </a:theme>
